--- a/Learn-Typescript/Test-PPT.pptx
+++ b/Learn-Typescript/Test-PPT.pptx
@@ -5,7 +5,11 @@
     <p:sldMasterId id="2147483648" r:id="rId1"/>
   </p:sldMasterIdLst>
   <p:sldIdLst>
-    <p:sldId id="256" r:id="rId2"/>
+    <p:sldId id="260" r:id="rId2"/>
+    <p:sldId id="259" r:id="rId3"/>
+    <p:sldId id="258" r:id="rId4"/>
+    <p:sldId id="257" r:id="rId5"/>
+    <p:sldId id="256" r:id="rId6"/>
   </p:sldIdLst>
   <p:sldSz cx="12192000" cy="6858000"/>
   <p:notesSz cx="6858000" cy="9144000"/>
@@ -104,6 +108,11 @@
       </a:defRPr>
     </a:lvl9pPr>
   </p:defaultTextStyle>
+  <p:extLst>
+    <p:ext uri="{EFAFB233-063F-42B5-8137-9DF3F51BA10A}">
+      <p15:sldGuideLst xmlns:p15="http://schemas.microsoft.com/office/powerpoint/2012/main"/>
+    </p:ext>
+  </p:extLst>
 </p:presentation>
 </file>
 
@@ -3347,6 +3356,669 @@
           <p:cNvPr id="2" name="Title 1">
             <a:extLst>
               <a:ext uri="{FF2B5EF4-FFF2-40B4-BE49-F238E27FC236}">
+                <a16:creationId xmlns:a16="http://schemas.microsoft.com/office/drawing/2014/main" id="{3E7034F9-904D-2D5C-8C0D-E2293814104D}"/>
+              </a:ext>
+            </a:extLst>
+          </p:cNvPr>
+          <p:cNvSpPr>
+            <a:spLocks noGrp="1"/>
+          </p:cNvSpPr>
+          <p:nvPr>
+            <p:ph type="title"/>
+          </p:nvPr>
+        </p:nvSpPr>
+        <p:spPr/>
+        <p:txBody>
+          <a:bodyPr/>
+          <a:lstStyle/>
+          <a:p>
+            <a:r>
+              <a:rPr lang="en-US" dirty="0"/>
+              <a:t>Yearly Test Case Metrics</a:t>
+            </a:r>
+            <a:endParaRPr lang="en-IN" dirty="0"/>
+          </a:p>
+        </p:txBody>
+      </p:sp>
+      <p:pic>
+        <p:nvPicPr>
+          <p:cNvPr id="5" name="Content Placeholder 4">
+            <a:extLst>
+              <a:ext uri="{FF2B5EF4-FFF2-40B4-BE49-F238E27FC236}">
+                <a16:creationId xmlns:a16="http://schemas.microsoft.com/office/drawing/2014/main" id="{9C93173C-BDA6-EDBF-FC7C-2AE98CD843DA}"/>
+              </a:ext>
+            </a:extLst>
+          </p:cNvPr>
+          <p:cNvPicPr>
+            <a:picLocks noGrp="1" noChangeAspect="1"/>
+          </p:cNvPicPr>
+          <p:nvPr>
+            <p:ph idx="1"/>
+          </p:nvPr>
+        </p:nvPicPr>
+        <p:blipFill>
+          <a:blip r:embed="rId2"/>
+          <a:stretch>
+            <a:fillRect/>
+          </a:stretch>
+        </p:blipFill>
+        <p:spPr>
+          <a:xfrm>
+            <a:off x="754215" y="2152306"/>
+            <a:ext cx="8087854" cy="885949"/>
+          </a:xfrm>
+        </p:spPr>
+      </p:pic>
+    </p:spTree>
+    <p:extLst>
+      <p:ext uri="{BB962C8B-B14F-4D97-AF65-F5344CB8AC3E}">
+        <p14:creationId xmlns:p14="http://schemas.microsoft.com/office/powerpoint/2010/main" val="1409019320"/>
+      </p:ext>
+    </p:extLst>
+  </p:cSld>
+  <p:clrMapOvr>
+    <a:masterClrMapping/>
+  </p:clrMapOvr>
+</p:sld>
+</file>
+
+<file path=ppt/slides/slide2.xml><?xml version="1.0" encoding="utf-8"?>
+<p:sld xmlns:a="http://schemas.openxmlformats.org/drawingml/2006/main" xmlns:r="http://schemas.openxmlformats.org/officeDocument/2006/relationships" xmlns:p="http://schemas.openxmlformats.org/presentationml/2006/main">
+  <p:cSld>
+    <p:spTree>
+      <p:nvGrpSpPr>
+        <p:cNvPr id="1" name=""/>
+        <p:cNvGrpSpPr/>
+        <p:nvPr/>
+      </p:nvGrpSpPr>
+      <p:grpSpPr>
+        <a:xfrm>
+          <a:off x="0" y="0"/>
+          <a:ext cx="0" cy="0"/>
+          <a:chOff x="0" y="0"/>
+          <a:chExt cx="0" cy="0"/>
+        </a:xfrm>
+      </p:grpSpPr>
+      <p:sp>
+        <p:nvSpPr>
+          <p:cNvPr id="2" name="Title 1">
+            <a:extLst>
+              <a:ext uri="{FF2B5EF4-FFF2-40B4-BE49-F238E27FC236}">
+                <a16:creationId xmlns:a16="http://schemas.microsoft.com/office/drawing/2014/main" id="{DCD86D6F-078A-E447-C014-A7B9D0451AE3}"/>
+              </a:ext>
+            </a:extLst>
+          </p:cNvPr>
+          <p:cNvSpPr>
+            <a:spLocks noGrp="1"/>
+          </p:cNvSpPr>
+          <p:nvPr>
+            <p:ph type="title"/>
+          </p:nvPr>
+        </p:nvSpPr>
+        <p:spPr/>
+        <p:txBody>
+          <a:bodyPr/>
+          <a:lstStyle/>
+          <a:p>
+            <a:r>
+              <a:rPr lang="en-US" dirty="0"/>
+              <a:t>Monthly Summary</a:t>
+            </a:r>
+            <a:endParaRPr lang="en-IN" dirty="0"/>
+          </a:p>
+        </p:txBody>
+      </p:sp>
+      <p:pic>
+        <p:nvPicPr>
+          <p:cNvPr id="5" name="Content Placeholder 4">
+            <a:extLst>
+              <a:ext uri="{FF2B5EF4-FFF2-40B4-BE49-F238E27FC236}">
+                <a16:creationId xmlns:a16="http://schemas.microsoft.com/office/drawing/2014/main" id="{66732E71-5311-ABA2-6121-721ACEB94184}"/>
+              </a:ext>
+            </a:extLst>
+          </p:cNvPr>
+          <p:cNvPicPr>
+            <a:picLocks noGrp="1" noChangeAspect="1"/>
+          </p:cNvPicPr>
+          <p:nvPr>
+            <p:ph idx="1"/>
+          </p:nvPr>
+        </p:nvPicPr>
+        <p:blipFill>
+          <a:blip r:embed="rId2"/>
+          <a:stretch>
+            <a:fillRect/>
+          </a:stretch>
+        </p:blipFill>
+        <p:spPr>
+          <a:xfrm>
+            <a:off x="949636" y="2090648"/>
+            <a:ext cx="8011643" cy="1638529"/>
+          </a:xfrm>
+        </p:spPr>
+      </p:pic>
+    </p:spTree>
+    <p:extLst>
+      <p:ext uri="{BB962C8B-B14F-4D97-AF65-F5344CB8AC3E}">
+        <p14:creationId xmlns:p14="http://schemas.microsoft.com/office/powerpoint/2010/main" val="216845034"/>
+      </p:ext>
+    </p:extLst>
+  </p:cSld>
+  <p:clrMapOvr>
+    <a:masterClrMapping/>
+  </p:clrMapOvr>
+</p:sld>
+</file>
+
+<file path=ppt/slides/slide3.xml><?xml version="1.0" encoding="utf-8"?>
+<p:sld xmlns:a="http://schemas.openxmlformats.org/drawingml/2006/main" xmlns:r="http://schemas.openxmlformats.org/officeDocument/2006/relationships" xmlns:p="http://schemas.openxmlformats.org/presentationml/2006/main">
+  <p:cSld>
+    <p:spTree>
+      <p:nvGrpSpPr>
+        <p:cNvPr id="1" name=""/>
+        <p:cNvGrpSpPr/>
+        <p:nvPr/>
+      </p:nvGrpSpPr>
+      <p:grpSpPr>
+        <a:xfrm>
+          <a:off x="0" y="0"/>
+          <a:ext cx="0" cy="0"/>
+          <a:chOff x="0" y="0"/>
+          <a:chExt cx="0" cy="0"/>
+        </a:xfrm>
+      </p:grpSpPr>
+      <p:sp>
+        <p:nvSpPr>
+          <p:cNvPr id="2" name="Title 1">
+            <a:extLst>
+              <a:ext uri="{FF2B5EF4-FFF2-40B4-BE49-F238E27FC236}">
+                <a16:creationId xmlns:a16="http://schemas.microsoft.com/office/drawing/2014/main" id="{F612F620-5701-EABC-BE84-A9DF26DCD5C2}"/>
+              </a:ext>
+            </a:extLst>
+          </p:cNvPr>
+          <p:cNvSpPr>
+            <a:spLocks noGrp="1"/>
+          </p:cNvSpPr>
+          <p:nvPr>
+            <p:ph type="title"/>
+          </p:nvPr>
+        </p:nvSpPr>
+        <p:spPr/>
+        <p:txBody>
+          <a:bodyPr/>
+          <a:lstStyle/>
+          <a:p>
+            <a:r>
+              <a:rPr lang="en-US" dirty="0"/>
+              <a:t>    Date Wise Test Execution Summary</a:t>
+            </a:r>
+            <a:br>
+              <a:rPr lang="en-US" dirty="0"/>
+            </a:br>
+            <a:endParaRPr lang="en-IN" dirty="0"/>
+          </a:p>
+        </p:txBody>
+      </p:sp>
+      <p:pic>
+        <p:nvPicPr>
+          <p:cNvPr id="5" name="Content Placeholder 4">
+            <a:extLst>
+              <a:ext uri="{FF2B5EF4-FFF2-40B4-BE49-F238E27FC236}">
+                <a16:creationId xmlns:a16="http://schemas.microsoft.com/office/drawing/2014/main" id="{15D779B8-9EAF-106A-1F2B-860F687BB2AE}"/>
+              </a:ext>
+            </a:extLst>
+          </p:cNvPr>
+          <p:cNvPicPr>
+            <a:picLocks noGrp="1" noChangeAspect="1"/>
+          </p:cNvPicPr>
+          <p:nvPr>
+            <p:ph idx="1"/>
+          </p:nvPr>
+        </p:nvPicPr>
+        <p:blipFill>
+          <a:blip r:embed="rId2"/>
+          <a:stretch>
+            <a:fillRect/>
+          </a:stretch>
+        </p:blipFill>
+        <p:spPr>
+          <a:xfrm>
+            <a:off x="1052243" y="1731654"/>
+            <a:ext cx="8278380" cy="1657581"/>
+          </a:xfrm>
+        </p:spPr>
+      </p:pic>
+    </p:spTree>
+    <p:extLst>
+      <p:ext uri="{BB962C8B-B14F-4D97-AF65-F5344CB8AC3E}">
+        <p14:creationId xmlns:p14="http://schemas.microsoft.com/office/powerpoint/2010/main" val="3490890988"/>
+      </p:ext>
+    </p:extLst>
+  </p:cSld>
+  <p:clrMapOvr>
+    <a:masterClrMapping/>
+  </p:clrMapOvr>
+</p:sld>
+</file>
+
+<file path=ppt/slides/slide4.xml><?xml version="1.0" encoding="utf-8"?>
+<p:sld xmlns:a="http://schemas.openxmlformats.org/drawingml/2006/main" xmlns:r="http://schemas.openxmlformats.org/officeDocument/2006/relationships" xmlns:p="http://schemas.openxmlformats.org/presentationml/2006/main">
+  <p:cSld>
+    <p:spTree>
+      <p:nvGrpSpPr>
+        <p:cNvPr id="1" name=""/>
+        <p:cNvGrpSpPr/>
+        <p:nvPr/>
+      </p:nvGrpSpPr>
+      <p:grpSpPr>
+        <a:xfrm>
+          <a:off x="0" y="0"/>
+          <a:ext cx="0" cy="0"/>
+          <a:chOff x="0" y="0"/>
+          <a:chExt cx="0" cy="0"/>
+        </a:xfrm>
+      </p:grpSpPr>
+      <p:sp>
+        <p:nvSpPr>
+          <p:cNvPr id="2" name="Title 1">
+            <a:extLst>
+              <a:ext uri="{FF2B5EF4-FFF2-40B4-BE49-F238E27FC236}">
+                <a16:creationId xmlns:a16="http://schemas.microsoft.com/office/drawing/2014/main" id="{3D05C4B6-39F0-D0B7-5BC6-3F83067E4708}"/>
+              </a:ext>
+            </a:extLst>
+          </p:cNvPr>
+          <p:cNvSpPr>
+            <a:spLocks noGrp="1"/>
+          </p:cNvSpPr>
+          <p:nvPr>
+            <p:ph type="title"/>
+          </p:nvPr>
+        </p:nvSpPr>
+        <p:spPr/>
+        <p:txBody>
+          <a:bodyPr>
+            <a:normAutofit fontScale="90000"/>
+          </a:bodyPr>
+          <a:lstStyle/>
+          <a:p>
+            <a:r>
+              <a:rPr lang="en-US" dirty="0"/>
+              <a:t>Summary of Daily Test Case</a:t>
+            </a:r>
+            <a:br>
+              <a:rPr lang="en-US" dirty="0"/>
+            </a:br>
+            <a:br>
+              <a:rPr lang="en-US" dirty="0"/>
+            </a:br>
+            <a:r>
+              <a:rPr lang="en-US" sz="2000" b="1" dirty="0">
+                <a:latin typeface="Oxygen" panose="02000503000000000000" pitchFamily="2" charset="0"/>
+              </a:rPr>
+              <a:t>Date : 07-03-2025</a:t>
+            </a:r>
+            <a:endParaRPr lang="en-IN" sz="2000" b="1" dirty="0">
+              <a:latin typeface="Oxygen" panose="02000503000000000000" pitchFamily="2" charset="0"/>
+            </a:endParaRPr>
+          </a:p>
+        </p:txBody>
+      </p:sp>
+      <p:graphicFrame>
+        <p:nvGraphicFramePr>
+          <p:cNvPr id="6" name="Content Placeholder 5">
+            <a:extLst>
+              <a:ext uri="{FF2B5EF4-FFF2-40B4-BE49-F238E27FC236}">
+                <a16:creationId xmlns:a16="http://schemas.microsoft.com/office/drawing/2014/main" id="{04616EFC-D9A6-03F2-6296-75B2FF35ADB9}"/>
+              </a:ext>
+            </a:extLst>
+          </p:cNvPr>
+          <p:cNvGraphicFramePr>
+            <a:graphicFrameLocks noGrp="1"/>
+          </p:cNvGraphicFramePr>
+          <p:nvPr>
+            <p:ph idx="1"/>
+            <p:extLst>
+              <p:ext uri="{D42A27DB-BD31-4B8C-83A1-F6EECF244321}">
+                <p14:modId xmlns:p14="http://schemas.microsoft.com/office/powerpoint/2010/main" val="1150559811"/>
+              </p:ext>
+            </p:extLst>
+          </p:nvPr>
+        </p:nvGraphicFramePr>
+        <p:xfrm>
+          <a:off x="838200" y="2218915"/>
+          <a:ext cx="10515600" cy="2225040"/>
+        </p:xfrm>
+        <a:graphic>
+          <a:graphicData uri="http://schemas.openxmlformats.org/drawingml/2006/table">
+            <a:tbl>
+              <a:tblPr firstRow="1" bandRow="1">
+                <a:tableStyleId>{5C22544A-7EE6-4342-B048-85BDC9FD1C3A}</a:tableStyleId>
+              </a:tblPr>
+              <a:tblGrid>
+                <a:gridCol w="5257800">
+                  <a:extLst>
+                    <a:ext uri="{9D8B030D-6E8A-4147-A177-3AD203B41FA5}">
+                      <a16:colId xmlns:a16="http://schemas.microsoft.com/office/drawing/2014/main" val="969977375"/>
+                    </a:ext>
+                  </a:extLst>
+                </a:gridCol>
+                <a:gridCol w="5257800">
+                  <a:extLst>
+                    <a:ext uri="{9D8B030D-6E8A-4147-A177-3AD203B41FA5}">
+                      <a16:colId xmlns:a16="http://schemas.microsoft.com/office/drawing/2014/main" val="1800116964"/>
+                    </a:ext>
+                  </a:extLst>
+                </a:gridCol>
+              </a:tblGrid>
+              <a:tr h="370840">
+                <a:tc>
+                  <a:txBody>
+                    <a:bodyPr/>
+                    <a:lstStyle/>
+                    <a:p>
+                      <a:r>
+                        <a:rPr lang="en-US" dirty="0">
+                          <a:latin typeface="Oxygen" panose="02000503000000000000" pitchFamily="2" charset="0"/>
+                        </a:rPr>
+                        <a:t>Metric</a:t>
+                      </a:r>
+                      <a:endParaRPr lang="en-IN" dirty="0">
+                        <a:latin typeface="Oxygen" panose="02000503000000000000" pitchFamily="2" charset="0"/>
+                      </a:endParaRPr>
+                    </a:p>
+                  </a:txBody>
+                  <a:tcPr/>
+                </a:tc>
+                <a:tc>
+                  <a:txBody>
+                    <a:bodyPr/>
+                    <a:lstStyle/>
+                    <a:p>
+                      <a:r>
+                        <a:rPr lang="en-US" dirty="0">
+                          <a:latin typeface="Oxygen" panose="02000503000000000000" pitchFamily="2" charset="0"/>
+                        </a:rPr>
+                        <a:t>Value</a:t>
+                      </a:r>
+                      <a:endParaRPr lang="en-IN" dirty="0">
+                        <a:latin typeface="Oxygen" panose="02000503000000000000" pitchFamily="2" charset="0"/>
+                      </a:endParaRPr>
+                    </a:p>
+                  </a:txBody>
+                  <a:tcPr/>
+                </a:tc>
+                <a:extLst>
+                  <a:ext uri="{0D108BD9-81ED-4DB2-BD59-A6C34878D82A}">
+                    <a16:rowId xmlns:a16="http://schemas.microsoft.com/office/drawing/2014/main" val="3506939730"/>
+                  </a:ext>
+                </a:extLst>
+              </a:tr>
+              <a:tr h="370840">
+                <a:tc>
+                  <a:txBody>
+                    <a:bodyPr/>
+                    <a:lstStyle/>
+                    <a:p>
+                      <a:r>
+                        <a:rPr lang="en-US" b="1" dirty="0">
+                          <a:latin typeface="Oxygen" panose="02000503000000000000" pitchFamily="2" charset="0"/>
+                        </a:rPr>
+                        <a:t>Total Tests</a:t>
+                      </a:r>
+                      <a:endParaRPr lang="en-IN" b="1" dirty="0">
+                        <a:latin typeface="Oxygen" panose="02000503000000000000" pitchFamily="2" charset="0"/>
+                      </a:endParaRPr>
+                    </a:p>
+                  </a:txBody>
+                  <a:tcPr/>
+                </a:tc>
+                <a:tc>
+                  <a:txBody>
+                    <a:bodyPr/>
+                    <a:lstStyle/>
+                    <a:p>
+                      <a:r>
+                        <a:rPr lang="en-US" b="1" dirty="0">
+                          <a:latin typeface="Oxygen" panose="02000503000000000000" pitchFamily="2" charset="0"/>
+                        </a:rPr>
+                        <a:t>246</a:t>
+                      </a:r>
+                      <a:endParaRPr lang="en-IN" b="1" dirty="0">
+                        <a:latin typeface="Oxygen" panose="02000503000000000000" pitchFamily="2" charset="0"/>
+                      </a:endParaRPr>
+                    </a:p>
+                  </a:txBody>
+                  <a:tcPr/>
+                </a:tc>
+                <a:extLst>
+                  <a:ext uri="{0D108BD9-81ED-4DB2-BD59-A6C34878D82A}">
+                    <a16:rowId xmlns:a16="http://schemas.microsoft.com/office/drawing/2014/main" val="1751548266"/>
+                  </a:ext>
+                </a:extLst>
+              </a:tr>
+              <a:tr h="370840">
+                <a:tc>
+                  <a:txBody>
+                    <a:bodyPr/>
+                    <a:lstStyle/>
+                    <a:p>
+                      <a:r>
+                        <a:rPr lang="en-US" b="1" dirty="0">
+                          <a:latin typeface="Oxygen" panose="02000503000000000000" pitchFamily="2" charset="0"/>
+                        </a:rPr>
+                        <a:t>Passed Tests</a:t>
+                      </a:r>
+                      <a:endParaRPr lang="en-IN" b="1" dirty="0">
+                        <a:latin typeface="Oxygen" panose="02000503000000000000" pitchFamily="2" charset="0"/>
+                      </a:endParaRPr>
+                    </a:p>
+                  </a:txBody>
+                  <a:tcPr/>
+                </a:tc>
+                <a:tc>
+                  <a:txBody>
+                    <a:bodyPr/>
+                    <a:lstStyle/>
+                    <a:p>
+                      <a:r>
+                        <a:rPr lang="en-US" b="1" dirty="0">
+                          <a:highlight>
+                            <a:srgbClr val="00FF00"/>
+                          </a:highlight>
+                          <a:latin typeface="Oxygen" panose="02000503000000000000" pitchFamily="2" charset="0"/>
+                        </a:rPr>
+                        <a:t>84</a:t>
+                      </a:r>
+                      <a:endParaRPr lang="en-IN" b="1" dirty="0">
+                        <a:highlight>
+                          <a:srgbClr val="00FF00"/>
+                        </a:highlight>
+                        <a:latin typeface="Oxygen" panose="02000503000000000000" pitchFamily="2" charset="0"/>
+                      </a:endParaRPr>
+                    </a:p>
+                  </a:txBody>
+                  <a:tcPr/>
+                </a:tc>
+                <a:extLst>
+                  <a:ext uri="{0D108BD9-81ED-4DB2-BD59-A6C34878D82A}">
+                    <a16:rowId xmlns:a16="http://schemas.microsoft.com/office/drawing/2014/main" val="102169104"/>
+                  </a:ext>
+                </a:extLst>
+              </a:tr>
+              <a:tr h="370840">
+                <a:tc>
+                  <a:txBody>
+                    <a:bodyPr/>
+                    <a:lstStyle/>
+                    <a:p>
+                      <a:r>
+                        <a:rPr lang="en-US" b="1" dirty="0">
+                          <a:latin typeface="Oxygen" panose="02000503000000000000" pitchFamily="2" charset="0"/>
+                        </a:rPr>
+                        <a:t>Failed Tests</a:t>
+                      </a:r>
+                      <a:endParaRPr lang="en-IN" b="1" dirty="0">
+                        <a:latin typeface="Oxygen" panose="02000503000000000000" pitchFamily="2" charset="0"/>
+                      </a:endParaRPr>
+                    </a:p>
+                  </a:txBody>
+                  <a:tcPr/>
+                </a:tc>
+                <a:tc>
+                  <a:txBody>
+                    <a:bodyPr/>
+                    <a:lstStyle/>
+                    <a:p>
+                      <a:r>
+                        <a:rPr lang="en-US" b="1" dirty="0">
+                          <a:highlight>
+                            <a:srgbClr val="FF0000"/>
+                          </a:highlight>
+                          <a:latin typeface="Oxygen" panose="02000503000000000000" pitchFamily="2" charset="0"/>
+                        </a:rPr>
+                        <a:t>162</a:t>
+                      </a:r>
+                      <a:endParaRPr lang="en-IN" b="1" dirty="0">
+                        <a:highlight>
+                          <a:srgbClr val="FF0000"/>
+                        </a:highlight>
+                        <a:latin typeface="Oxygen" panose="02000503000000000000" pitchFamily="2" charset="0"/>
+                      </a:endParaRPr>
+                    </a:p>
+                  </a:txBody>
+                  <a:tcPr/>
+                </a:tc>
+                <a:extLst>
+                  <a:ext uri="{0D108BD9-81ED-4DB2-BD59-A6C34878D82A}">
+                    <a16:rowId xmlns:a16="http://schemas.microsoft.com/office/drawing/2014/main" val="57842548"/>
+                  </a:ext>
+                </a:extLst>
+              </a:tr>
+              <a:tr h="370840">
+                <a:tc>
+                  <a:txBody>
+                    <a:bodyPr/>
+                    <a:lstStyle/>
+                    <a:p>
+                      <a:r>
+                        <a:rPr lang="en-US" b="1" dirty="0">
+                          <a:latin typeface="Oxygen" panose="02000503000000000000" pitchFamily="2" charset="0"/>
+                        </a:rPr>
+                        <a:t>Start Time</a:t>
+                      </a:r>
+                      <a:endParaRPr lang="en-IN" b="1" dirty="0">
+                        <a:latin typeface="Oxygen" panose="02000503000000000000" pitchFamily="2" charset="0"/>
+                      </a:endParaRPr>
+                    </a:p>
+                  </a:txBody>
+                  <a:tcPr/>
+                </a:tc>
+                <a:tc>
+                  <a:txBody>
+                    <a:bodyPr/>
+                    <a:lstStyle/>
+                    <a:p>
+                      <a:r>
+                        <a:rPr lang="en-US" b="1" dirty="0">
+                          <a:latin typeface="Oxygen" panose="02000503000000000000" pitchFamily="2" charset="0"/>
+                        </a:rPr>
+                        <a:t>07-03-2025 10:05 AM</a:t>
+                      </a:r>
+                      <a:endParaRPr lang="en-IN" b="1" dirty="0">
+                        <a:latin typeface="Oxygen" panose="02000503000000000000" pitchFamily="2" charset="0"/>
+                      </a:endParaRPr>
+                    </a:p>
+                  </a:txBody>
+                  <a:tcPr/>
+                </a:tc>
+                <a:extLst>
+                  <a:ext uri="{0D108BD9-81ED-4DB2-BD59-A6C34878D82A}">
+                    <a16:rowId xmlns:a16="http://schemas.microsoft.com/office/drawing/2014/main" val="1147601794"/>
+                  </a:ext>
+                </a:extLst>
+              </a:tr>
+              <a:tr h="370840">
+                <a:tc>
+                  <a:txBody>
+                    <a:bodyPr/>
+                    <a:lstStyle/>
+                    <a:p>
+                      <a:r>
+                        <a:rPr lang="en-US" b="1" dirty="0">
+                          <a:latin typeface="Oxygen" panose="02000503000000000000" pitchFamily="2" charset="0"/>
+                        </a:rPr>
+                        <a:t>End Time</a:t>
+                      </a:r>
+                      <a:endParaRPr lang="en-IN" b="1" dirty="0">
+                        <a:latin typeface="Oxygen" panose="02000503000000000000" pitchFamily="2" charset="0"/>
+                      </a:endParaRPr>
+                    </a:p>
+                  </a:txBody>
+                  <a:tcPr/>
+                </a:tc>
+                <a:tc>
+                  <a:txBody>
+                    <a:bodyPr/>
+                    <a:lstStyle/>
+                    <a:p>
+                      <a:r>
+                        <a:rPr lang="en-US" b="1" dirty="0">
+                          <a:latin typeface="Oxygen" panose="02000503000000000000" pitchFamily="2" charset="0"/>
+                        </a:rPr>
+                        <a:t>07-03-2025 10:06 AM</a:t>
+                      </a:r>
+                      <a:endParaRPr lang="en-IN" b="1" dirty="0">
+                        <a:latin typeface="Oxygen" panose="02000503000000000000" pitchFamily="2" charset="0"/>
+                      </a:endParaRPr>
+                    </a:p>
+                  </a:txBody>
+                  <a:tcPr/>
+                </a:tc>
+                <a:extLst>
+                  <a:ext uri="{0D108BD9-81ED-4DB2-BD59-A6C34878D82A}">
+                    <a16:rowId xmlns:a16="http://schemas.microsoft.com/office/drawing/2014/main" val="3893299501"/>
+                  </a:ext>
+                </a:extLst>
+              </a:tr>
+            </a:tbl>
+          </a:graphicData>
+        </a:graphic>
+      </p:graphicFrame>
+    </p:spTree>
+    <p:extLst>
+      <p:ext uri="{BB962C8B-B14F-4D97-AF65-F5344CB8AC3E}">
+        <p14:creationId xmlns:p14="http://schemas.microsoft.com/office/powerpoint/2010/main" val="1254016456"/>
+      </p:ext>
+    </p:extLst>
+  </p:cSld>
+  <p:clrMapOvr>
+    <a:masterClrMapping/>
+  </p:clrMapOvr>
+</p:sld>
+</file>
+
+<file path=ppt/slides/slide5.xml><?xml version="1.0" encoding="utf-8"?>
+<p:sld xmlns:a="http://schemas.openxmlformats.org/drawingml/2006/main" xmlns:r="http://schemas.openxmlformats.org/officeDocument/2006/relationships" xmlns:p="http://schemas.openxmlformats.org/presentationml/2006/main">
+  <p:cSld>
+    <p:spTree>
+      <p:nvGrpSpPr>
+        <p:cNvPr id="1" name=""/>
+        <p:cNvGrpSpPr/>
+        <p:nvPr/>
+      </p:nvGrpSpPr>
+      <p:grpSpPr>
+        <a:xfrm>
+          <a:off x="0" y="0"/>
+          <a:ext cx="0" cy="0"/>
+          <a:chOff x="0" y="0"/>
+          <a:chExt cx="0" cy="0"/>
+        </a:xfrm>
+      </p:grpSpPr>
+      <p:sp>
+        <p:nvSpPr>
+          <p:cNvPr id="2" name="Title 1">
+            <a:extLst>
+              <a:ext uri="{FF2B5EF4-FFF2-40B4-BE49-F238E27FC236}">
                 <a16:creationId xmlns:a16="http://schemas.microsoft.com/office/drawing/2014/main" id="{E1F0C59B-D246-A255-28DB-1F22560CAE37}"/>
               </a:ext>
             </a:extLst>
@@ -3358,15 +4030,21 @@
             <p:ph type="ctrTitle"/>
           </p:nvPr>
         </p:nvSpPr>
-        <p:spPr/>
-        <p:txBody>
-          <a:bodyPr/>
-          <a:lstStyle/>
-          <a:p>
-            <a:r>
+        <p:spPr>
+          <a:xfrm>
+            <a:off x="1524000" y="265471"/>
+            <a:ext cx="9144000" cy="2212258"/>
+          </a:xfrm>
+        </p:spPr>
+        <p:txBody>
+          <a:bodyPr>
+            <a:normAutofit fontScale="90000"/>
+          </a:bodyPr>
+          <a:lstStyle/>
+          <a:p>
+            <a:br>
               <a:rPr lang="en-US" dirty="0"/>
-              <a:t>Details of Test Cases</a:t>
-            </a:r>
+            </a:br>
             <a:br>
               <a:rPr lang="en-US" dirty="0"/>
             </a:br>
@@ -3421,7 +4099,7 @@
         </p:blipFill>
         <p:spPr>
           <a:xfrm>
-            <a:off x="153976" y="3049838"/>
+            <a:off x="153976" y="2235199"/>
             <a:ext cx="11884048" cy="2387601"/>
           </a:xfrm>
           <a:prstGeom prst="rect">
@@ -3429,6 +4107,75 @@
           </a:prstGeom>
         </p:spPr>
       </p:pic>
+      <p:sp>
+        <p:nvSpPr>
+          <p:cNvPr id="4" name="Title 1">
+            <a:extLst>
+              <a:ext uri="{FF2B5EF4-FFF2-40B4-BE49-F238E27FC236}">
+                <a16:creationId xmlns:a16="http://schemas.microsoft.com/office/drawing/2014/main" id="{BD3EB35B-E315-5CC2-5040-582B4E54F44D}"/>
+              </a:ext>
+            </a:extLst>
+          </p:cNvPr>
+          <p:cNvSpPr txBox="1">
+            <a:spLocks/>
+          </p:cNvSpPr>
+          <p:nvPr/>
+        </p:nvSpPr>
+        <p:spPr>
+          <a:xfrm>
+            <a:off x="838200" y="365125"/>
+            <a:ext cx="10515600" cy="1325563"/>
+          </a:xfrm>
+          <a:prstGeom prst="rect">
+            <a:avLst/>
+          </a:prstGeom>
+        </p:spPr>
+        <p:txBody>
+          <a:bodyPr vert="horz" lIns="91440" tIns="45720" rIns="91440" bIns="45720" rtlCol="0" anchor="b">
+            <a:normAutofit fontScale="75000" lnSpcReduction="20000"/>
+          </a:bodyPr>
+          <a:lstStyle>
+            <a:lvl1pPr algn="ctr" defTabSz="914400" rtl="0" eaLnBrk="1" latinLnBrk="0" hangingPunct="1">
+              <a:lnSpc>
+                <a:spcPct val="90000"/>
+              </a:lnSpc>
+              <a:spcBef>
+                <a:spcPct val="0"/>
+              </a:spcBef>
+              <a:buNone/>
+              <a:defRPr sz="6000" kern="1200">
+                <a:solidFill>
+                  <a:schemeClr val="tx1"/>
+                </a:solidFill>
+                <a:latin typeface="+mj-lt"/>
+                <a:ea typeface="+mj-ea"/>
+                <a:cs typeface="+mj-cs"/>
+              </a:defRPr>
+            </a:lvl1pPr>
+          </a:lstStyle>
+          <a:p>
+            <a:r>
+              <a:rPr lang="en-US" dirty="0"/>
+              <a:t>Daily Test Case Details</a:t>
+            </a:r>
+            <a:br>
+              <a:rPr lang="en-US" dirty="0"/>
+            </a:br>
+            <a:endParaRPr lang="en-US" dirty="0"/>
+          </a:p>
+          <a:p>
+            <a:r>
+              <a:rPr lang="en-US" sz="2000" b="1" dirty="0">
+                <a:latin typeface="Oxygen" panose="02000503000000000000" pitchFamily="2" charset="0"/>
+              </a:rPr>
+              <a:t>Date : 07-03-2025</a:t>
+            </a:r>
+            <a:endParaRPr lang="en-IN" sz="2000" b="1" dirty="0">
+              <a:latin typeface="Oxygen" panose="02000503000000000000" pitchFamily="2" charset="0"/>
+            </a:endParaRPr>
+          </a:p>
+        </p:txBody>
+      </p:sp>
     </p:spTree>
     <p:extLst>
       <p:ext uri="{BB962C8B-B14F-4D97-AF65-F5344CB8AC3E}">
